--- a/Ressources/Charte graphique.pptx
+++ b/Ressources/Charte graphique.pptx
@@ -259,7 +259,7 @@
           <a:p>
             <a:fld id="{7913885C-0047-4008-916F-0481FB6222D9}" type="datetimeFigureOut">
               <a:rPr lang="fr-FR" smtClean="0"/>
-              <a:t>16/07/2024</a:t>
+              <a:t>21/07/2024</a:t>
             </a:fld>
             <a:endParaRPr lang="fr-FR"/>
           </a:p>
@@ -457,7 +457,7 @@
           <a:p>
             <a:fld id="{7913885C-0047-4008-916F-0481FB6222D9}" type="datetimeFigureOut">
               <a:rPr lang="fr-FR" smtClean="0"/>
-              <a:t>16/07/2024</a:t>
+              <a:t>21/07/2024</a:t>
             </a:fld>
             <a:endParaRPr lang="fr-FR"/>
           </a:p>
@@ -665,7 +665,7 @@
           <a:p>
             <a:fld id="{7913885C-0047-4008-916F-0481FB6222D9}" type="datetimeFigureOut">
               <a:rPr lang="fr-FR" smtClean="0"/>
-              <a:t>16/07/2024</a:t>
+              <a:t>21/07/2024</a:t>
             </a:fld>
             <a:endParaRPr lang="fr-FR"/>
           </a:p>
@@ -863,7 +863,7 @@
           <a:p>
             <a:fld id="{7913885C-0047-4008-916F-0481FB6222D9}" type="datetimeFigureOut">
               <a:rPr lang="fr-FR" smtClean="0"/>
-              <a:t>16/07/2024</a:t>
+              <a:t>21/07/2024</a:t>
             </a:fld>
             <a:endParaRPr lang="fr-FR"/>
           </a:p>
@@ -1138,7 +1138,7 @@
           <a:p>
             <a:fld id="{7913885C-0047-4008-916F-0481FB6222D9}" type="datetimeFigureOut">
               <a:rPr lang="fr-FR" smtClean="0"/>
-              <a:t>16/07/2024</a:t>
+              <a:t>21/07/2024</a:t>
             </a:fld>
             <a:endParaRPr lang="fr-FR"/>
           </a:p>
@@ -1403,7 +1403,7 @@
           <a:p>
             <a:fld id="{7913885C-0047-4008-916F-0481FB6222D9}" type="datetimeFigureOut">
               <a:rPr lang="fr-FR" smtClean="0"/>
-              <a:t>16/07/2024</a:t>
+              <a:t>21/07/2024</a:t>
             </a:fld>
             <a:endParaRPr lang="fr-FR"/>
           </a:p>
@@ -1815,7 +1815,7 @@
           <a:p>
             <a:fld id="{7913885C-0047-4008-916F-0481FB6222D9}" type="datetimeFigureOut">
               <a:rPr lang="fr-FR" smtClean="0"/>
-              <a:t>16/07/2024</a:t>
+              <a:t>21/07/2024</a:t>
             </a:fld>
             <a:endParaRPr lang="fr-FR"/>
           </a:p>
@@ -1956,7 +1956,7 @@
           <a:p>
             <a:fld id="{7913885C-0047-4008-916F-0481FB6222D9}" type="datetimeFigureOut">
               <a:rPr lang="fr-FR" smtClean="0"/>
-              <a:t>16/07/2024</a:t>
+              <a:t>21/07/2024</a:t>
             </a:fld>
             <a:endParaRPr lang="fr-FR"/>
           </a:p>
@@ -2069,7 +2069,7 @@
           <a:p>
             <a:fld id="{7913885C-0047-4008-916F-0481FB6222D9}" type="datetimeFigureOut">
               <a:rPr lang="fr-FR" smtClean="0"/>
-              <a:t>16/07/2024</a:t>
+              <a:t>21/07/2024</a:t>
             </a:fld>
             <a:endParaRPr lang="fr-FR"/>
           </a:p>
@@ -2380,7 +2380,7 @@
           <a:p>
             <a:fld id="{7913885C-0047-4008-916F-0481FB6222D9}" type="datetimeFigureOut">
               <a:rPr lang="fr-FR" smtClean="0"/>
-              <a:t>16/07/2024</a:t>
+              <a:t>21/07/2024</a:t>
             </a:fld>
             <a:endParaRPr lang="fr-FR"/>
           </a:p>
@@ -2668,7 +2668,7 @@
           <a:p>
             <a:fld id="{7913885C-0047-4008-916F-0481FB6222D9}" type="datetimeFigureOut">
               <a:rPr lang="fr-FR" smtClean="0"/>
-              <a:t>16/07/2024</a:t>
+              <a:t>21/07/2024</a:t>
             </a:fld>
             <a:endParaRPr lang="fr-FR"/>
           </a:p>
@@ -2919,7 +2919,7 @@
           <a:p>
             <a:fld id="{7913885C-0047-4008-916F-0481FB6222D9}" type="datetimeFigureOut">
               <a:rPr lang="fr-FR" smtClean="0"/>
-              <a:t>16/07/2024</a:t>
+              <a:t>21/07/2024</a:t>
             </a:fld>
             <a:endParaRPr lang="fr-FR"/>
           </a:p>
@@ -5123,9 +5123,10 @@
             <a:p>
               <a:pPr algn="ctr"/>
               <a:r>
-                <a:rPr lang="fr-FR" sz="1600" dirty="0"/>
-                <a:t>#F2F2F2</a:t>
+                <a:rPr lang="fr-FR" sz="1600"/>
+                <a:t>#FFFFFF</a:t>
               </a:r>
+              <a:endParaRPr lang="fr-FR" sz="1600" dirty="0"/>
             </a:p>
           </p:txBody>
         </p:sp>
